--- a/Git_tutorial.pptx
+++ b/Git_tutorial.pptx
@@ -173,7 +173,7 @@
 <file path=ppt/comments/comment3.xml><?xml version="1.0" encoding="utf-8"?>
 <p:cmLst xmlns:a="http://schemas.openxmlformats.org/drawingml/2006/main" xmlns:r="http://schemas.openxmlformats.org/officeDocument/2006/relationships" xmlns:p="http://schemas.openxmlformats.org/presentationml/2006/main">
   <p:cm authorId="1" dt="2020-05-16T06:27:35.954" idx="4">
-    <p:pos x="4662" y="3236"/>
+    <p:pos x="4628" y="3518"/>
     <p:text>git init 指令會在這個目錄裡建立一個 .git 目錄小數點開頭的目錄或檔案名稱，在一些作業系統中預設是隱藏的，可能會需要開啟檢視隱藏檔之類的設定才看得到。</p:text>
     <p:extLst>
       <p:ext uri="{C676402C-5697-4E1C-873F-D02D1690AC5C}">
@@ -203,7 +203,7 @@
 <file path=ppt/comments/comment5.xml><?xml version="1.0" encoding="utf-8"?>
 <p:cmLst xmlns:a="http://schemas.openxmlformats.org/drawingml/2006/main" xmlns:r="http://schemas.openxmlformats.org/officeDocument/2006/relationships" xmlns:p="http://schemas.openxmlformats.org/presentationml/2006/main">
   <p:cm authorId="1" dt="2020-05-16T14:25:44.764" idx="6">
-    <p:pos x="1904" y="3383"/>
+    <p:pos x="1887" y="3592"/>
     <p:text>對於程式碼的修改，Git 是可以自動合併不同行的部份，但若是更改同一行的程式碼，就需要人工手動解決衝突——在這裡，由於檔案 hello_world.html 都被 A、B 兩人同時更改了同一行程式碼，自動合併失敗，因此需要做人工解衝突的動作。</p:text>
     <p:extLst>
       <p:ext uri="{C676402C-5697-4E1C-873F-D02D1690AC5C}">
@@ -8717,6 +8717,36 @@
           </a:p>
         </p:txBody>
       </p:sp>
+      <p:pic>
+        <p:nvPicPr>
+          <p:cNvPr id="3" name="圖片 2" descr="一張含有 畫畫, 時鐘, 標誌 的圖片&#10;&#10;自動產生的描述">
+            <a:extLst>
+              <a:ext uri="{FF2B5EF4-FFF2-40B4-BE49-F238E27FC236}">
+                <a16:creationId xmlns:a16="http://schemas.microsoft.com/office/drawing/2014/main" id="{E618E0DC-B8C6-43C9-8330-B3421D637F6A}"/>
+              </a:ext>
+            </a:extLst>
+          </p:cNvPr>
+          <p:cNvPicPr>
+            <a:picLocks noChangeAspect="1"/>
+          </p:cNvPicPr>
+          <p:nvPr/>
+        </p:nvPicPr>
+        <p:blipFill>
+          <a:blip r:embed="rId3"/>
+          <a:stretch>
+            <a:fillRect/>
+          </a:stretch>
+        </p:blipFill>
+        <p:spPr>
+          <a:xfrm>
+            <a:off x="3562350" y="2374139"/>
+            <a:ext cx="4762500" cy="2247900"/>
+          </a:xfrm>
+          <a:prstGeom prst="rect">
+            <a:avLst/>
+          </a:prstGeom>
+        </p:spPr>
+      </p:pic>
     </p:spTree>
     <p:extLst>
       <p:ext uri="{BB962C8B-B14F-4D97-AF65-F5344CB8AC3E}">
@@ -8727,6 +8757,108 @@
   <p:clrMapOvr>
     <a:masterClrMapping/>
   </p:clrMapOvr>
+  <p:timing>
+    <p:tnLst>
+      <p:par>
+        <p:cTn id="1" dur="indefinite" restart="never" nodeType="tmRoot">
+          <p:childTnLst>
+            <p:seq concurrent="1" nextAc="seek">
+              <p:cTn id="2" dur="indefinite" nodeType="mainSeq">
+                <p:childTnLst>
+                  <p:par>
+                    <p:cTn id="3" fill="hold">
+                      <p:stCondLst>
+                        <p:cond delay="indefinite"/>
+                      </p:stCondLst>
+                      <p:childTnLst>
+                        <p:par>
+                          <p:cTn id="4" fill="hold">
+                            <p:stCondLst>
+                              <p:cond delay="0"/>
+                            </p:stCondLst>
+                            <p:childTnLst>
+                              <p:par>
+                                <p:cTn id="5" presetID="1" presetClass="entr" presetSubtype="0" fill="hold" nodeType="clickEffect">
+                                  <p:stCondLst>
+                                    <p:cond delay="0"/>
+                                  </p:stCondLst>
+                                  <p:childTnLst>
+                                    <p:set>
+                                      <p:cBhvr>
+                                        <p:cTn id="6" dur="1" fill="hold">
+                                          <p:stCondLst>
+                                            <p:cond delay="0"/>
+                                          </p:stCondLst>
+                                        </p:cTn>
+                                        <p:tgtEl>
+                                          <p:spTgt spid="3"/>
+                                        </p:tgtEl>
+                                        <p:attrNameLst>
+                                          <p:attrName>style.visibility</p:attrName>
+                                        </p:attrNameLst>
+                                      </p:cBhvr>
+                                      <p:to>
+                                        <p:strVal val="visible"/>
+                                      </p:to>
+                                    </p:set>
+                                  </p:childTnLst>
+                                </p:cTn>
+                              </p:par>
+                              <p:par>
+                                <p:cTn id="7" presetID="1" presetClass="exit" presetSubtype="0" fill="hold" nodeType="withEffect">
+                                  <p:stCondLst>
+                                    <p:cond delay="0"/>
+                                  </p:stCondLst>
+                                  <p:childTnLst>
+                                    <p:set>
+                                      <p:cBhvr>
+                                        <p:cTn id="8" dur="1" fill="hold">
+                                          <p:stCondLst>
+                                            <p:cond delay="0"/>
+                                          </p:stCondLst>
+                                        </p:cTn>
+                                        <p:tgtEl>
+                                          <p:spTgt spid="8"/>
+                                        </p:tgtEl>
+                                        <p:attrNameLst>
+                                          <p:attrName>style.visibility</p:attrName>
+                                        </p:attrNameLst>
+                                      </p:cBhvr>
+                                      <p:to>
+                                        <p:strVal val="hidden"/>
+                                      </p:to>
+                                    </p:set>
+                                  </p:childTnLst>
+                                </p:cTn>
+                              </p:par>
+                            </p:childTnLst>
+                          </p:cTn>
+                        </p:par>
+                      </p:childTnLst>
+                    </p:cTn>
+                  </p:par>
+                </p:childTnLst>
+              </p:cTn>
+              <p:prevCondLst>
+                <p:cond evt="onPrev" delay="0">
+                  <p:tgtEl>
+                    <p:sldTgt/>
+                  </p:tgtEl>
+                </p:cond>
+              </p:prevCondLst>
+              <p:nextCondLst>
+                <p:cond evt="onNext" delay="0">
+                  <p:tgtEl>
+                    <p:sldTgt/>
+                  </p:tgtEl>
+                </p:cond>
+              </p:nextCondLst>
+            </p:seq>
+          </p:childTnLst>
+        </p:cTn>
+      </p:par>
+    </p:tnLst>
+  </p:timing>
 </p:sld>
 </file>
 
@@ -11095,7 +11227,7 @@
         </p:nvSpPr>
         <p:spPr>
           <a:xfrm>
-            <a:off x="1049303" y="1263213"/>
+            <a:off x="1067233" y="800262"/>
             <a:ext cx="3929097" cy="523220"/>
           </a:xfrm>
           <a:prstGeom prst="rect">
@@ -11183,8 +11315,8 @@
         </p:nvSpPr>
         <p:spPr>
           <a:xfrm>
-            <a:off x="968022" y="1951910"/>
-            <a:ext cx="6895817" cy="2862322"/>
+            <a:off x="985952" y="1488959"/>
+            <a:ext cx="6895817" cy="3693319"/>
           </a:xfrm>
           <a:prstGeom prst="rect">
             <a:avLst/>
@@ -11350,10 +11482,62 @@
               </a:rPr>
               <a:t>Repository</a:t>
             </a:r>
-            <a:endParaRPr lang="zh-TW" altLang="en-US" dirty="0">
+          </a:p>
+          <a:p>
+            <a:endParaRPr lang="en-US" altLang="zh-TW" dirty="0">
               <a:latin typeface="微軟正黑體" panose="020B0604030504040204" pitchFamily="34" charset="-120"/>
               <a:ea typeface="微軟正黑體" panose="020B0604030504040204" pitchFamily="34" charset="-120"/>
             </a:endParaRPr>
+          </a:p>
+          <a:p>
+            <a:r>
+              <a:rPr lang="en-US" altLang="zh-TW" dirty="0">
+                <a:latin typeface="微軟正黑體" panose="020B0604030504040204" pitchFamily="34" charset="-120"/>
+                <a:ea typeface="微軟正黑體" panose="020B0604030504040204" pitchFamily="34" charset="-120"/>
+              </a:rPr>
+              <a:t>$ git </a:t>
+            </a:r>
+            <a:r>
+              <a:rPr lang="en-US" altLang="zh-TW" dirty="0" err="1">
+                <a:latin typeface="微軟正黑體" panose="020B0604030504040204" pitchFamily="34" charset="-120"/>
+                <a:ea typeface="微軟正黑體" panose="020B0604030504040204" pitchFamily="34" charset="-120"/>
+              </a:rPr>
+              <a:t>init</a:t>
+            </a:r>
+            <a:endParaRPr lang="en-US" altLang="zh-TW" dirty="0">
+              <a:latin typeface="微軟正黑體" panose="020B0604030504040204" pitchFamily="34" charset="-120"/>
+              <a:ea typeface="微軟正黑體" panose="020B0604030504040204" pitchFamily="34" charset="-120"/>
+            </a:endParaRPr>
+          </a:p>
+          <a:p>
+            <a:r>
+              <a:rPr lang="en-US" altLang="zh-TW" dirty="0">
+                <a:latin typeface="微軟正黑體" panose="020B0604030504040204" pitchFamily="34" charset="-120"/>
+                <a:ea typeface="微軟正黑體" panose="020B0604030504040204" pitchFamily="34" charset="-120"/>
+              </a:rPr>
+              <a:t>#</a:t>
+            </a:r>
+            <a:r>
+              <a:rPr lang="zh-TW" altLang="en-US" dirty="0">
+                <a:latin typeface="微軟正黑體" panose="020B0604030504040204" pitchFamily="34" charset="-120"/>
+                <a:ea typeface="微軟正黑體" panose="020B0604030504040204" pitchFamily="34" charset="-120"/>
+              </a:rPr>
+              <a:t>初始化這個目錄，讓 </a:t>
+            </a:r>
+            <a:r>
+              <a:rPr lang="en-US" altLang="zh-TW" dirty="0">
+                <a:latin typeface="微軟正黑體" panose="020B0604030504040204" pitchFamily="34" charset="-120"/>
+                <a:ea typeface="微軟正黑體" panose="020B0604030504040204" pitchFamily="34" charset="-120"/>
+              </a:rPr>
+              <a:t>Git </a:t>
+            </a:r>
+            <a:r>
+              <a:rPr lang="zh-TW" altLang="en-US" dirty="0">
+                <a:latin typeface="微軟正黑體" panose="020B0604030504040204" pitchFamily="34" charset="-120"/>
+                <a:ea typeface="微軟正黑體" panose="020B0604030504040204" pitchFamily="34" charset="-120"/>
+              </a:rPr>
+              <a:t>開始對這個目錄進行版本控制</a:t>
+            </a:r>
           </a:p>
         </p:txBody>
       </p:sp>
@@ -11371,7 +11555,7 @@
         </p:nvSpPr>
         <p:spPr>
           <a:xfrm>
-            <a:off x="1049303" y="5071567"/>
+            <a:off x="985952" y="5416988"/>
             <a:ext cx="6096000" cy="523220"/>
           </a:xfrm>
           <a:prstGeom prst="rect">
@@ -11470,7 +11654,7 @@
         </p:blipFill>
         <p:spPr>
           <a:xfrm>
-            <a:off x="5801148" y="1263213"/>
+            <a:off x="5657713" y="797938"/>
             <a:ext cx="4877223" cy="2537680"/>
           </a:xfrm>
           <a:prstGeom prst="rect">

--- a/Git_tutorial.pptx
+++ b/Git_tutorial.pptx
@@ -477,7 +477,7 @@
             <a:fld id="{5586B75A-687E-405C-8A0B-8D00578BA2C3}" type="datetimeFigureOut">
               <a:rPr lang="en-US" smtClean="0"/>
               <a:pPr/>
-              <a:t>5/21/2020</a:t>
+              <a:t>6/2/2020</a:t>
             </a:fld>
             <a:endParaRPr lang="en-US" dirty="0"/>
           </a:p>
@@ -700,7 +700,7 @@
             <a:fld id="{5586B75A-687E-405C-8A0B-8D00578BA2C3}" type="datetimeFigureOut">
               <a:rPr lang="en-US" smtClean="0"/>
               <a:pPr/>
-              <a:t>5/21/2020</a:t>
+              <a:t>6/2/2020</a:t>
             </a:fld>
             <a:endParaRPr lang="en-US" dirty="0"/>
           </a:p>
@@ -882,7 +882,7 @@
             <a:fld id="{5586B75A-687E-405C-8A0B-8D00578BA2C3}" type="datetimeFigureOut">
               <a:rPr lang="en-US" smtClean="0"/>
               <a:pPr/>
-              <a:t>5/21/2020</a:t>
+              <a:t>6/2/2020</a:t>
             </a:fld>
             <a:endParaRPr lang="en-US" dirty="0"/>
           </a:p>
@@ -1054,7 +1054,7 @@
             <a:fld id="{5586B75A-687E-405C-8A0B-8D00578BA2C3}" type="datetimeFigureOut">
               <a:rPr lang="en-US" smtClean="0"/>
               <a:pPr/>
-              <a:t>5/21/2020</a:t>
+              <a:t>6/2/2020</a:t>
             </a:fld>
             <a:endParaRPr lang="en-US" dirty="0"/>
           </a:p>
@@ -1330,7 +1330,7 @@
             <a:fld id="{5586B75A-687E-405C-8A0B-8D00578BA2C3}" type="datetimeFigureOut">
               <a:rPr lang="en-US" smtClean="0"/>
               <a:pPr/>
-              <a:t>5/21/2020</a:t>
+              <a:t>6/2/2020</a:t>
             </a:fld>
             <a:endParaRPr lang="en-US" dirty="0"/>
           </a:p>
@@ -1655,7 +1655,7 @@
             <a:fld id="{5586B75A-687E-405C-8A0B-8D00578BA2C3}" type="datetimeFigureOut">
               <a:rPr lang="en-US" smtClean="0"/>
               <a:pPr/>
-              <a:t>5/21/2020</a:t>
+              <a:t>6/2/2020</a:t>
             </a:fld>
             <a:endParaRPr lang="en-US" dirty="0"/>
           </a:p>
@@ -2081,7 +2081,7 @@
             <a:fld id="{5586B75A-687E-405C-8A0B-8D00578BA2C3}" type="datetimeFigureOut">
               <a:rPr lang="en-US" smtClean="0"/>
               <a:pPr/>
-              <a:t>5/21/2020</a:t>
+              <a:t>6/2/2020</a:t>
             </a:fld>
             <a:endParaRPr lang="en-US" dirty="0"/>
           </a:p>
@@ -2201,7 +2201,7 @@
             <a:fld id="{5586B75A-687E-405C-8A0B-8D00578BA2C3}" type="datetimeFigureOut">
               <a:rPr lang="en-US" smtClean="0"/>
               <a:pPr/>
-              <a:t>5/21/2020</a:t>
+              <a:t>6/2/2020</a:t>
             </a:fld>
             <a:endParaRPr lang="en-US" dirty="0"/>
           </a:p>
@@ -2298,7 +2298,7 @@
             <a:fld id="{5586B75A-687E-405C-8A0B-8D00578BA2C3}" type="datetimeFigureOut">
               <a:rPr lang="en-US" smtClean="0"/>
               <a:pPr/>
-              <a:t>5/21/2020</a:t>
+              <a:t>6/2/2020</a:t>
             </a:fld>
             <a:endParaRPr lang="en-US" dirty="0"/>
           </a:p>
@@ -2590,7 +2590,7 @@
             <a:fld id="{5586B75A-687E-405C-8A0B-8D00578BA2C3}" type="datetimeFigureOut">
               <a:rPr lang="en-US" smtClean="0"/>
               <a:pPr/>
-              <a:t>5/21/2020</a:t>
+              <a:t>6/2/2020</a:t>
             </a:fld>
             <a:endParaRPr lang="en-US" dirty="0"/>
           </a:p>
@@ -2864,7 +2864,7 @@
             <a:fld id="{5586B75A-687E-405C-8A0B-8D00578BA2C3}" type="datetimeFigureOut">
               <a:rPr lang="en-US" smtClean="0"/>
               <a:pPr/>
-              <a:t>5/21/2020</a:t>
+              <a:t>6/2/2020</a:t>
             </a:fld>
             <a:endParaRPr lang="en-US" dirty="0"/>
           </a:p>
@@ -3120,7 +3120,7 @@
             <a:fld id="{5586B75A-687E-405C-8A0B-8D00578BA2C3}" type="datetimeFigureOut">
               <a:rPr lang="en-US" smtClean="0"/>
               <a:pPr/>
-              <a:t>5/21/2020</a:t>
+              <a:t>6/2/2020</a:t>
             </a:fld>
             <a:endParaRPr lang="en-US" dirty="0"/>
           </a:p>
@@ -3808,38 +3808,8 @@
         </p:blipFill>
         <p:spPr>
           <a:xfrm>
-            <a:off x="5523010" y="1032867"/>
+            <a:off x="5496116" y="1714185"/>
             <a:ext cx="5256750" cy="3707392"/>
-          </a:xfrm>
-          <a:prstGeom prst="rect">
-            <a:avLst/>
-          </a:prstGeom>
-        </p:spPr>
-      </p:pic>
-      <p:pic>
-        <p:nvPicPr>
-          <p:cNvPr id="8" name="圖片 7" descr="一張含有 坐, 畫畫 的圖片&#10;&#10;自動產生的描述">
-            <a:extLst>
-              <a:ext uri="{FF2B5EF4-FFF2-40B4-BE49-F238E27FC236}">
-                <a16:creationId xmlns:a16="http://schemas.microsoft.com/office/drawing/2014/main" id="{F123E1B4-630E-4A66-8457-709D3C19A7F3}"/>
-              </a:ext>
-            </a:extLst>
-          </p:cNvPr>
-          <p:cNvPicPr>
-            <a:picLocks noChangeAspect="1"/>
-          </p:cNvPicPr>
-          <p:nvPr/>
-        </p:nvPicPr>
-        <p:blipFill>
-          <a:blip r:embed="rId3"/>
-          <a:stretch>
-            <a:fillRect/>
-          </a:stretch>
-        </p:blipFill>
-        <p:spPr>
-          <a:xfrm>
-            <a:off x="5523010" y="5050368"/>
-            <a:ext cx="5256750" cy="790909"/>
           </a:xfrm>
           <a:prstGeom prst="rect">
             <a:avLst/>
@@ -3949,7 +3919,7 @@
           <p:nvPr/>
         </p:nvPicPr>
         <p:blipFill rotWithShape="1">
-          <a:blip r:embed="rId4"/>
+          <a:blip r:embed="rId3"/>
           <a:srcRect l="184" t="6043" r="39719" b="-5552"/>
           <a:stretch/>
         </p:blipFill>
@@ -6556,7 +6526,7 @@
         </p:blipFill>
         <p:spPr>
           <a:xfrm>
-            <a:off x="2166903" y="1677279"/>
+            <a:off x="956668" y="1632455"/>
             <a:ext cx="7343739" cy="4521234"/>
           </a:xfrm>
           <a:prstGeom prst="rect">
@@ -6578,7 +6548,7 @@
         </p:nvSpPr>
         <p:spPr>
           <a:xfrm>
-            <a:off x="2489200" y="6198513"/>
+            <a:off x="1278965" y="6153689"/>
             <a:ext cx="5852160" cy="261610"/>
           </a:xfrm>
           <a:prstGeom prst="rect">
@@ -6637,7 +6607,7 @@
         </p:nvSpPr>
         <p:spPr>
           <a:xfrm>
-            <a:off x="3454400" y="2511708"/>
+            <a:off x="2244165" y="2466884"/>
             <a:ext cx="1727200" cy="338554"/>
           </a:xfrm>
           <a:prstGeom prst="rect">
@@ -6665,6 +6635,42 @@
               </a:rPr>
               <a:t>分支</a:t>
             </a:r>
+          </a:p>
+        </p:txBody>
+      </p:sp>
+      <p:sp>
+        <p:nvSpPr>
+          <p:cNvPr id="2" name="文字方塊 1">
+            <a:extLst>
+              <a:ext uri="{FF2B5EF4-FFF2-40B4-BE49-F238E27FC236}">
+                <a16:creationId xmlns:a16="http://schemas.microsoft.com/office/drawing/2014/main" id="{10E15BB9-F729-46C6-BBC8-48D98B4C5D58}"/>
+              </a:ext>
+            </a:extLst>
+          </p:cNvPr>
+          <p:cNvSpPr txBox="1"/>
+          <p:nvPr/>
+        </p:nvSpPr>
+        <p:spPr>
+          <a:xfrm>
+            <a:off x="8794376" y="3244334"/>
+            <a:ext cx="1393330" cy="369332"/>
+          </a:xfrm>
+          <a:prstGeom prst="rect">
+            <a:avLst/>
+          </a:prstGeom>
+          <a:noFill/>
+        </p:spPr>
+        <p:txBody>
+          <a:bodyPr wrap="none" rtlCol="0">
+            <a:spAutoFit/>
+          </a:bodyPr>
+          <a:lstStyle/>
+          <a:p>
+            <a:r>
+              <a:rPr lang="en-US" altLang="zh-TW" dirty="0"/>
+              <a:t>git branch -b</a:t>
+            </a:r>
+            <a:endParaRPr lang="zh-TW" altLang="en-US" dirty="0"/>
           </a:p>
         </p:txBody>
       </p:sp>
@@ -7958,6 +7964,54 @@
           </a:prstGeom>
         </p:spPr>
       </p:pic>
+      <p:sp>
+        <p:nvSpPr>
+          <p:cNvPr id="4" name="矩形 3">
+            <a:extLst>
+              <a:ext uri="{FF2B5EF4-FFF2-40B4-BE49-F238E27FC236}">
+                <a16:creationId xmlns:a16="http://schemas.microsoft.com/office/drawing/2014/main" id="{E996E312-E48B-4F63-9055-8C57B70A4475}"/>
+              </a:ext>
+            </a:extLst>
+          </p:cNvPr>
+          <p:cNvSpPr/>
+          <p:nvPr/>
+        </p:nvSpPr>
+        <p:spPr>
+          <a:xfrm>
+            <a:off x="5699966" y="1378425"/>
+            <a:ext cx="5047664" cy="369332"/>
+          </a:xfrm>
+          <a:prstGeom prst="rect">
+            <a:avLst/>
+          </a:prstGeom>
+        </p:spPr>
+        <p:txBody>
+          <a:bodyPr wrap="none">
+            <a:spAutoFit/>
+          </a:bodyPr>
+          <a:lstStyle/>
+          <a:p>
+            <a:r>
+              <a:rPr lang="zh-TW" altLang="en-US" dirty="0">
+                <a:latin typeface="微軟正黑體" panose="020B0604030504040204" pitchFamily="34" charset="-120"/>
+                <a:ea typeface="微軟正黑體" panose="020B0604030504040204" pitchFamily="34" charset="-120"/>
+              </a:rPr>
+              <a:t>先讓我取消剛才的合併 </a:t>
+            </a:r>
+            <a:r>
+              <a:rPr lang="en-US" altLang="zh-TW" dirty="0">
+                <a:latin typeface="微軟正黑體" panose="020B0604030504040204" pitchFamily="34" charset="-120"/>
+                <a:ea typeface="微軟正黑體" panose="020B0604030504040204" pitchFamily="34" charset="-120"/>
+              </a:rPr>
+              <a:t>git reset --hard HEAD~</a:t>
+            </a:r>
+            <a:endParaRPr lang="zh-TW" altLang="en-US" dirty="0">
+              <a:latin typeface="微軟正黑體" panose="020B0604030504040204" pitchFamily="34" charset="-120"/>
+              <a:ea typeface="微軟正黑體" panose="020B0604030504040204" pitchFamily="34" charset="-120"/>
+            </a:endParaRPr>
+          </a:p>
+        </p:txBody>
+      </p:sp>
     </p:spTree>
     <p:extLst>
       <p:ext uri="{BB962C8B-B14F-4D97-AF65-F5344CB8AC3E}">
@@ -12690,7 +12744,24 @@
                 <a:latin typeface="微軟正黑體" panose="020B0604030504040204" pitchFamily="34" charset="-120"/>
                 <a:ea typeface="微軟正黑體" panose="020B0604030504040204" pitchFamily="34" charset="-120"/>
               </a:rPr>
-              <a:t>$ git update-index --no-assume-unchanged filename</a:t>
+              <a:t>$ git update-index </a:t>
+            </a:r>
+            <a:r>
+              <a:rPr lang="en-US" altLang="zh-TW" dirty="0">
+                <a:solidFill>
+                  <a:srgbClr val="FF0000"/>
+                </a:solidFill>
+                <a:latin typeface="微軟正黑體" panose="020B0604030504040204" pitchFamily="34" charset="-120"/>
+                <a:ea typeface="微軟正黑體" panose="020B0604030504040204" pitchFamily="34" charset="-120"/>
+              </a:rPr>
+              <a:t>--no</a:t>
+            </a:r>
+            <a:r>
+              <a:rPr lang="en-US" altLang="zh-TW" dirty="0">
+                <a:latin typeface="微軟正黑體" panose="020B0604030504040204" pitchFamily="34" charset="-120"/>
+                <a:ea typeface="微軟正黑體" panose="020B0604030504040204" pitchFamily="34" charset="-120"/>
+              </a:rPr>
+              <a:t>-assume-unchanged filename</a:t>
             </a:r>
           </a:p>
           <a:p>
@@ -12721,7 +12792,21 @@
                 <a:latin typeface="微軟正黑體" panose="020B0604030504040204" pitchFamily="34" charset="-120"/>
                 <a:ea typeface="微軟正黑體" panose="020B0604030504040204" pitchFamily="34" charset="-120"/>
               </a:rPr>
-              <a:t>$ git ls-files -v</a:t>
+              <a:t>$ git ls-files --others -</a:t>
+            </a:r>
+            <a:r>
+              <a:rPr lang="en-US" altLang="zh-TW" dirty="0" err="1">
+                <a:latin typeface="微軟正黑體" panose="020B0604030504040204" pitchFamily="34" charset="-120"/>
+                <a:ea typeface="微軟正黑體" panose="020B0604030504040204" pitchFamily="34" charset="-120"/>
+              </a:rPr>
+              <a:t>i</a:t>
+            </a:r>
+            <a:r>
+              <a:rPr lang="en-US" altLang="zh-TW" dirty="0">
+                <a:latin typeface="微軟正黑體" panose="020B0604030504040204" pitchFamily="34" charset="-120"/>
+                <a:ea typeface="微軟正黑體" panose="020B0604030504040204" pitchFamily="34" charset="-120"/>
+              </a:rPr>
+              <a:t> --exclude-standard</a:t>
             </a:r>
           </a:p>
           <a:p>
